--- a/slides/IoC Block 1 - Day 1 - Lesson 0 - Setup Python.pptx
+++ b/slides/IoC Block 1 - Day 1 - Lesson 0 - Setup Python.pptx
@@ -280,7 +280,7 @@
               <a:pPr>
                 <a:defRPr/>
               </a:pPr>
-              <a:t>23/06/2019</a:t>
+              <a:t>30/06/2019</a:t>
             </a:fld>
             <a:endParaRPr lang="en-GB" dirty="0"/>
           </a:p>
@@ -620,25 +620,15 @@
       </p:grpSpPr>
       <p:sp>
         <p:nvSpPr>
-          <p:cNvPr id="33794" name="Slide Image Placeholder 1"/>
+          <p:cNvPr id="2" name="Slide Image Placeholder 1"/>
           <p:cNvSpPr>
-            <a:spLocks noGrp="1" noRot="1" noChangeAspect="1" noTextEdit="1"/>
+            <a:spLocks noGrp="1" noRot="1" noChangeAspect="1"/>
           </p:cNvSpPr>
           <p:nvPr>
             <p:ph type="sldImg"/>
           </p:nvPr>
         </p:nvSpPr>
-        <p:spPr bwMode="auto">
-          <a:noFill/>
-          <a:ln>
-            <a:solidFill>
-              <a:srgbClr val="000000"/>
-            </a:solidFill>
-            <a:miter lim="800000"/>
-            <a:headEnd/>
-            <a:tailEnd/>
-          </a:ln>
-        </p:spPr>
+        <p:spPr/>
       </p:sp>
       <p:sp>
         <p:nvSpPr>
@@ -655,68 +645,45 @@
           <a:bodyPr/>
           <a:lstStyle/>
           <a:p>
-            <a:pPr defTabSz="1632936" eaLnBrk="1" fontAlgn="auto" hangingPunct="1">
-              <a:spcBef>
-                <a:spcPts val="0"/>
-              </a:spcBef>
-              <a:spcAft>
-                <a:spcPts val="0"/>
-              </a:spcAft>
+            <a:endParaRPr lang="en-GB" dirty="0"/>
+          </a:p>
+        </p:txBody>
+      </p:sp>
+      <p:sp>
+        <p:nvSpPr>
+          <p:cNvPr id="4" name="Slide Number Placeholder 3"/>
+          <p:cNvSpPr>
+            <a:spLocks noGrp="1"/>
+          </p:cNvSpPr>
+          <p:nvPr>
+            <p:ph type="sldNum" sz="quarter" idx="10"/>
+          </p:nvPr>
+        </p:nvSpPr>
+        <p:spPr/>
+        <p:txBody>
+          <a:bodyPr/>
+          <a:lstStyle/>
+          <a:p>
+            <a:pPr>
               <a:defRPr/>
             </a:pPr>
-            <a:r>
-              <a:rPr lang="en-GB" sz="2143" dirty="0"/>
-              <a:t>Please do not reduce the font size as this is the recommended size for mobile phone users.</a:t>
-            </a:r>
-          </a:p>
-        </p:txBody>
-      </p:sp>
-      <p:sp>
-        <p:nvSpPr>
-          <p:cNvPr id="12291" name="Slide Number Placeholder 3"/>
-          <p:cNvSpPr txBox="1">
-            <a:spLocks noGrp="1"/>
-          </p:cNvSpPr>
-          <p:nvPr/>
-        </p:nvSpPr>
-        <p:spPr bwMode="auto">
-          <a:xfrm>
-            <a:off x="3884613" y="8685213"/>
-            <a:ext cx="2971800" cy="457200"/>
-          </a:xfrm>
-          <a:prstGeom prst="rect">
-            <a:avLst/>
-          </a:prstGeom>
-          <a:noFill/>
-          <a:ln>
-            <a:miter lim="800000"/>
-            <a:headEnd/>
-            <a:tailEnd/>
-          </a:ln>
-        </p:spPr>
-        <p:txBody>
-          <a:bodyPr anchor="b"/>
-          <a:lstStyle/>
-          <a:p>
-            <a:pPr algn="r">
-              <a:defRPr/>
-            </a:pPr>
-            <a:fld id="{6B55B428-6A7A-4261-A39C-C43694DAD487}" type="slidenum">
-              <a:rPr lang="en-GB" sz="1200">
-                <a:latin typeface="+mn-lt"/>
-              </a:rPr>
-              <a:pPr algn="r">
+            <a:fld id="{8D0B09EB-DF0E-4CFF-9227-7197BB026F82}" type="slidenum">
+              <a:rPr lang="en-GB" smtClean="0"/>
+              <a:pPr>
                 <a:defRPr/>
               </a:pPr>
-              <a:t>2</a:t>
+              <a:t>1</a:t>
             </a:fld>
-            <a:endParaRPr lang="en-GB" sz="1200">
-              <a:latin typeface="+mn-lt"/>
-            </a:endParaRPr>
+            <a:endParaRPr lang="en-GB" dirty="0"/>
           </a:p>
         </p:txBody>
       </p:sp>
     </p:spTree>
+    <p:extLst>
+      <p:ext uri="{BB962C8B-B14F-4D97-AF65-F5344CB8AC3E}">
+        <p14:creationId xmlns:p14="http://schemas.microsoft.com/office/powerpoint/2010/main" val="728694585"/>
+      </p:ext>
+    </p:extLst>
   </p:cSld>
   <p:clrMapOvr>
     <a:masterClrMapping/>
@@ -787,10 +754,7 @@
               </a:spcAft>
               <a:defRPr/>
             </a:pPr>
-            <a:r>
-              <a:rPr lang="en-GB" sz="2143" dirty="0"/>
-              <a:t>Please do not reduce the font size as this is the recommended size for mobile phone users.</a:t>
-            </a:r>
+            <a:endParaRPr lang="en-GB" sz="2143" dirty="0"/>
           </a:p>
         </p:txBody>
       </p:sp>
@@ -831,7 +795,7 @@
               <a:pPr algn="r">
                 <a:defRPr/>
               </a:pPr>
-              <a:t>11</a:t>
+              <a:t>10</a:t>
             </a:fld>
             <a:endParaRPr lang="en-GB" sz="1200">
               <a:latin typeface="+mn-lt"/>
@@ -842,7 +806,7 @@
     </p:spTree>
     <p:extLst>
       <p:ext uri="{BB962C8B-B14F-4D97-AF65-F5344CB8AC3E}">
-        <p14:creationId xmlns:p14="http://schemas.microsoft.com/office/powerpoint/2010/main" val="401477769"/>
+        <p14:creationId xmlns:p14="http://schemas.microsoft.com/office/powerpoint/2010/main" val="1358267196"/>
       </p:ext>
     </p:extLst>
   </p:cSld>
@@ -915,10 +879,7 @@
               </a:spcAft>
               <a:defRPr/>
             </a:pPr>
-            <a:r>
-              <a:rPr lang="en-GB" sz="2143" dirty="0"/>
-              <a:t>Please do not reduce the font size as this is the recommended size for mobile phone users.</a:t>
-            </a:r>
+            <a:endParaRPr lang="en-GB" sz="2143" dirty="0"/>
           </a:p>
         </p:txBody>
       </p:sp>
@@ -959,7 +920,7 @@
               <a:pPr algn="r">
                 <a:defRPr/>
               </a:pPr>
-              <a:t>12</a:t>
+              <a:t>11</a:t>
             </a:fld>
             <a:endParaRPr lang="en-GB" sz="1200">
               <a:latin typeface="+mn-lt"/>
@@ -970,7 +931,7 @@
     </p:spTree>
     <p:extLst>
       <p:ext uri="{BB962C8B-B14F-4D97-AF65-F5344CB8AC3E}">
-        <p14:creationId xmlns:p14="http://schemas.microsoft.com/office/powerpoint/2010/main" val="3394598841"/>
+        <p14:creationId xmlns:p14="http://schemas.microsoft.com/office/powerpoint/2010/main" val="401477769"/>
       </p:ext>
     </p:extLst>
   </p:cSld>
@@ -1043,10 +1004,7 @@
               </a:spcAft>
               <a:defRPr/>
             </a:pPr>
-            <a:r>
-              <a:rPr lang="en-GB" sz="2143" dirty="0"/>
-              <a:t>Please do not reduce the font size as this is the recommended size for mobile phone users.</a:t>
-            </a:r>
+            <a:endParaRPr lang="en-GB" sz="2143" dirty="0"/>
           </a:p>
         </p:txBody>
       </p:sp>
@@ -1087,7 +1045,7 @@
               <a:pPr algn="r">
                 <a:defRPr/>
               </a:pPr>
-              <a:t>13</a:t>
+              <a:t>12</a:t>
             </a:fld>
             <a:endParaRPr lang="en-GB" sz="1200">
               <a:latin typeface="+mn-lt"/>
@@ -1098,7 +1056,7 @@
     </p:spTree>
     <p:extLst>
       <p:ext uri="{BB962C8B-B14F-4D97-AF65-F5344CB8AC3E}">
-        <p14:creationId xmlns:p14="http://schemas.microsoft.com/office/powerpoint/2010/main" val="1043437042"/>
+        <p14:creationId xmlns:p14="http://schemas.microsoft.com/office/powerpoint/2010/main" val="3394598841"/>
       </p:ext>
     </p:extLst>
   </p:cSld>
@@ -1171,10 +1129,7 @@
               </a:spcAft>
               <a:defRPr/>
             </a:pPr>
-            <a:r>
-              <a:rPr lang="en-GB" sz="2143" dirty="0"/>
-              <a:t>Please do not reduce the font size as this is the recommended size for mobile phone users.</a:t>
-            </a:r>
+            <a:endParaRPr lang="en-GB" sz="2143" dirty="0"/>
           </a:p>
         </p:txBody>
       </p:sp>
@@ -1215,7 +1170,7 @@
               <a:pPr algn="r">
                 <a:defRPr/>
               </a:pPr>
-              <a:t>14</a:t>
+              <a:t>13</a:t>
             </a:fld>
             <a:endParaRPr lang="en-GB" sz="1200">
               <a:latin typeface="+mn-lt"/>
@@ -1226,7 +1181,7 @@
     </p:spTree>
     <p:extLst>
       <p:ext uri="{BB962C8B-B14F-4D97-AF65-F5344CB8AC3E}">
-        <p14:creationId xmlns:p14="http://schemas.microsoft.com/office/powerpoint/2010/main" val="2985490096"/>
+        <p14:creationId xmlns:p14="http://schemas.microsoft.com/office/powerpoint/2010/main" val="1043437042"/>
       </p:ext>
     </p:extLst>
   </p:cSld>
@@ -1299,10 +1254,132 @@
               </a:spcAft>
               <a:defRPr/>
             </a:pPr>
-            <a:r>
-              <a:rPr lang="en-GB" sz="2143" dirty="0"/>
-              <a:t>Please do not reduce the font size as this is the recommended size for mobile phone users.</a:t>
-            </a:r>
+            <a:endParaRPr lang="en-GB" sz="2143" dirty="0"/>
+          </a:p>
+        </p:txBody>
+      </p:sp>
+      <p:sp>
+        <p:nvSpPr>
+          <p:cNvPr id="12291" name="Slide Number Placeholder 3"/>
+          <p:cNvSpPr txBox="1">
+            <a:spLocks noGrp="1"/>
+          </p:cNvSpPr>
+          <p:nvPr/>
+        </p:nvSpPr>
+        <p:spPr bwMode="auto">
+          <a:xfrm>
+            <a:off x="3884613" y="8685213"/>
+            <a:ext cx="2971800" cy="457200"/>
+          </a:xfrm>
+          <a:prstGeom prst="rect">
+            <a:avLst/>
+          </a:prstGeom>
+          <a:noFill/>
+          <a:ln>
+            <a:miter lim="800000"/>
+            <a:headEnd/>
+            <a:tailEnd/>
+          </a:ln>
+        </p:spPr>
+        <p:txBody>
+          <a:bodyPr anchor="b"/>
+          <a:lstStyle/>
+          <a:p>
+            <a:pPr algn="r">
+              <a:defRPr/>
+            </a:pPr>
+            <a:fld id="{6B55B428-6A7A-4261-A39C-C43694DAD487}" type="slidenum">
+              <a:rPr lang="en-GB" sz="1200">
+                <a:latin typeface="+mn-lt"/>
+              </a:rPr>
+              <a:pPr algn="r">
+                <a:defRPr/>
+              </a:pPr>
+              <a:t>14</a:t>
+            </a:fld>
+            <a:endParaRPr lang="en-GB" sz="1200">
+              <a:latin typeface="+mn-lt"/>
+            </a:endParaRPr>
+          </a:p>
+        </p:txBody>
+      </p:sp>
+    </p:spTree>
+    <p:extLst>
+      <p:ext uri="{BB962C8B-B14F-4D97-AF65-F5344CB8AC3E}">
+        <p14:creationId xmlns:p14="http://schemas.microsoft.com/office/powerpoint/2010/main" val="2985490096"/>
+      </p:ext>
+    </p:extLst>
+  </p:cSld>
+  <p:clrMapOvr>
+    <a:masterClrMapping/>
+  </p:clrMapOvr>
+</p:notes>
+</file>
+
+<file path=ppt/notesSlides/notesSlide15.xml><?xml version="1.0" encoding="utf-8"?>
+<p:notes xmlns:a="http://schemas.openxmlformats.org/drawingml/2006/main" xmlns:r="http://schemas.openxmlformats.org/officeDocument/2006/relationships" xmlns:p="http://schemas.openxmlformats.org/presentationml/2006/main">
+  <p:cSld>
+    <p:spTree>
+      <p:nvGrpSpPr>
+        <p:cNvPr id="1" name=""/>
+        <p:cNvGrpSpPr/>
+        <p:nvPr/>
+      </p:nvGrpSpPr>
+      <p:grpSpPr>
+        <a:xfrm>
+          <a:off x="0" y="0"/>
+          <a:ext cx="0" cy="0"/>
+          <a:chOff x="0" y="0"/>
+          <a:chExt cx="0" cy="0"/>
+        </a:xfrm>
+      </p:grpSpPr>
+      <p:sp>
+        <p:nvSpPr>
+          <p:cNvPr id="33794" name="Slide Image Placeholder 1"/>
+          <p:cNvSpPr>
+            <a:spLocks noGrp="1" noRot="1" noChangeAspect="1" noTextEdit="1"/>
+          </p:cNvSpPr>
+          <p:nvPr>
+            <p:ph type="sldImg"/>
+          </p:nvPr>
+        </p:nvSpPr>
+        <p:spPr bwMode="auto">
+          <a:noFill/>
+          <a:ln>
+            <a:solidFill>
+              <a:srgbClr val="000000"/>
+            </a:solidFill>
+            <a:miter lim="800000"/>
+            <a:headEnd/>
+            <a:tailEnd/>
+          </a:ln>
+        </p:spPr>
+      </p:sp>
+      <p:sp>
+        <p:nvSpPr>
+          <p:cNvPr id="3" name="Notes Placeholder 2"/>
+          <p:cNvSpPr>
+            <a:spLocks noGrp="1"/>
+          </p:cNvSpPr>
+          <p:nvPr>
+            <p:ph type="body" idx="1"/>
+          </p:nvPr>
+        </p:nvSpPr>
+        <p:spPr/>
+        <p:txBody>
+          <a:bodyPr/>
+          <a:lstStyle/>
+          <a:p>
+            <a:pPr defTabSz="1632936" eaLnBrk="1" fontAlgn="auto" hangingPunct="1">
+              <a:spcBef>
+                <a:spcPts val="0"/>
+              </a:spcBef>
+              <a:spcAft>
+                <a:spcPts val="0"/>
+              </a:spcAft>
+              <a:defRPr/>
+            </a:pPr>
+            <a:endParaRPr lang="en-GB" sz="2143" dirty="0"/>
           </a:p>
         </p:txBody>
       </p:sp>
@@ -1427,10 +1504,7 @@
               </a:spcAft>
               <a:defRPr/>
             </a:pPr>
-            <a:r>
-              <a:rPr lang="en-GB" sz="2143" dirty="0"/>
-              <a:t>Please do not reduce the font size as this is the recommended size for mobile phone users.</a:t>
-            </a:r>
+            <a:endParaRPr lang="en-GB" sz="2143" dirty="0"/>
           </a:p>
         </p:txBody>
       </p:sp>
@@ -1471,7 +1545,7 @@
               <a:pPr algn="r">
                 <a:defRPr/>
               </a:pPr>
-              <a:t>3</a:t>
+              <a:t>2</a:t>
             </a:fld>
             <a:endParaRPr lang="en-GB" sz="1200">
               <a:latin typeface="+mn-lt"/>
@@ -1480,11 +1554,6 @@
         </p:txBody>
       </p:sp>
     </p:spTree>
-    <p:extLst>
-      <p:ext uri="{BB962C8B-B14F-4D97-AF65-F5344CB8AC3E}">
-        <p14:creationId xmlns:p14="http://schemas.microsoft.com/office/powerpoint/2010/main" val="335152620"/>
-      </p:ext>
-    </p:extLst>
   </p:cSld>
   <p:clrMapOvr>
     <a:masterClrMapping/>
@@ -1555,10 +1624,7 @@
               </a:spcAft>
               <a:defRPr/>
             </a:pPr>
-            <a:r>
-              <a:rPr lang="en-GB" sz="2143" dirty="0"/>
-              <a:t>Please do not reduce the font size as this is the recommended size for mobile phone users.</a:t>
-            </a:r>
+            <a:endParaRPr lang="en-GB" sz="2143" dirty="0"/>
           </a:p>
         </p:txBody>
       </p:sp>
@@ -1599,7 +1665,7 @@
               <a:pPr algn="r">
                 <a:defRPr/>
               </a:pPr>
-              <a:t>4</a:t>
+              <a:t>3</a:t>
             </a:fld>
             <a:endParaRPr lang="en-GB" sz="1200">
               <a:latin typeface="+mn-lt"/>
@@ -1610,7 +1676,7 @@
     </p:spTree>
     <p:extLst>
       <p:ext uri="{BB962C8B-B14F-4D97-AF65-F5344CB8AC3E}">
-        <p14:creationId xmlns:p14="http://schemas.microsoft.com/office/powerpoint/2010/main" val="6736991"/>
+        <p14:creationId xmlns:p14="http://schemas.microsoft.com/office/powerpoint/2010/main" val="335152620"/>
       </p:ext>
     </p:extLst>
   </p:cSld>
@@ -1683,10 +1749,7 @@
               </a:spcAft>
               <a:defRPr/>
             </a:pPr>
-            <a:r>
-              <a:rPr lang="en-GB" sz="2143" dirty="0"/>
-              <a:t>Please do not reduce the font size as this is the recommended size for mobile phone users.</a:t>
-            </a:r>
+            <a:endParaRPr lang="en-GB" sz="2143" dirty="0"/>
           </a:p>
         </p:txBody>
       </p:sp>
@@ -1727,7 +1790,7 @@
               <a:pPr algn="r">
                 <a:defRPr/>
               </a:pPr>
-              <a:t>5</a:t>
+              <a:t>4</a:t>
             </a:fld>
             <a:endParaRPr lang="en-GB" sz="1200">
               <a:latin typeface="+mn-lt"/>
@@ -1738,7 +1801,7 @@
     </p:spTree>
     <p:extLst>
       <p:ext uri="{BB962C8B-B14F-4D97-AF65-F5344CB8AC3E}">
-        <p14:creationId xmlns:p14="http://schemas.microsoft.com/office/powerpoint/2010/main" val="3445547630"/>
+        <p14:creationId xmlns:p14="http://schemas.microsoft.com/office/powerpoint/2010/main" val="6736991"/>
       </p:ext>
     </p:extLst>
   </p:cSld>
@@ -1811,10 +1874,7 @@
               </a:spcAft>
               <a:defRPr/>
             </a:pPr>
-            <a:r>
-              <a:rPr lang="en-GB" sz="2143" dirty="0"/>
-              <a:t>Please do not reduce the font size as this is the recommended size for mobile phone users.</a:t>
-            </a:r>
+            <a:endParaRPr lang="en-GB" sz="2143" dirty="0"/>
           </a:p>
         </p:txBody>
       </p:sp>
@@ -1855,7 +1915,7 @@
               <a:pPr algn="r">
                 <a:defRPr/>
               </a:pPr>
-              <a:t>6</a:t>
+              <a:t>5</a:t>
             </a:fld>
             <a:endParaRPr lang="en-GB" sz="1200">
               <a:latin typeface="+mn-lt"/>
@@ -1866,7 +1926,7 @@
     </p:spTree>
     <p:extLst>
       <p:ext uri="{BB962C8B-B14F-4D97-AF65-F5344CB8AC3E}">
-        <p14:creationId xmlns:p14="http://schemas.microsoft.com/office/powerpoint/2010/main" val="2178908904"/>
+        <p14:creationId xmlns:p14="http://schemas.microsoft.com/office/powerpoint/2010/main" val="3445547630"/>
       </p:ext>
     </p:extLst>
   </p:cSld>
@@ -1939,10 +1999,7 @@
               </a:spcAft>
               <a:defRPr/>
             </a:pPr>
-            <a:r>
-              <a:rPr lang="en-GB" sz="2143" dirty="0"/>
-              <a:t>Please do not reduce the font size as this is the recommended size for mobile phone users.</a:t>
-            </a:r>
+            <a:endParaRPr lang="en-GB" sz="2143" dirty="0"/>
           </a:p>
         </p:txBody>
       </p:sp>
@@ -1983,7 +2040,7 @@
               <a:pPr algn="r">
                 <a:defRPr/>
               </a:pPr>
-              <a:t>7</a:t>
+              <a:t>6</a:t>
             </a:fld>
             <a:endParaRPr lang="en-GB" sz="1200">
               <a:latin typeface="+mn-lt"/>
@@ -1994,7 +2051,7 @@
     </p:spTree>
     <p:extLst>
       <p:ext uri="{BB962C8B-B14F-4D97-AF65-F5344CB8AC3E}">
-        <p14:creationId xmlns:p14="http://schemas.microsoft.com/office/powerpoint/2010/main" val="2750884481"/>
+        <p14:creationId xmlns:p14="http://schemas.microsoft.com/office/powerpoint/2010/main" val="2178908904"/>
       </p:ext>
     </p:extLst>
   </p:cSld>
@@ -2067,10 +2124,7 @@
               </a:spcAft>
               <a:defRPr/>
             </a:pPr>
-            <a:r>
-              <a:rPr lang="en-GB" sz="2143" dirty="0"/>
-              <a:t>Please do not reduce the font size as this is the recommended size for mobile phone users.</a:t>
-            </a:r>
+            <a:endParaRPr lang="en-GB" sz="2143" dirty="0"/>
           </a:p>
         </p:txBody>
       </p:sp>
@@ -2111,7 +2165,7 @@
               <a:pPr algn="r">
                 <a:defRPr/>
               </a:pPr>
-              <a:t>8</a:t>
+              <a:t>7</a:t>
             </a:fld>
             <a:endParaRPr lang="en-GB" sz="1200">
               <a:latin typeface="+mn-lt"/>
@@ -2122,7 +2176,7 @@
     </p:spTree>
     <p:extLst>
       <p:ext uri="{BB962C8B-B14F-4D97-AF65-F5344CB8AC3E}">
-        <p14:creationId xmlns:p14="http://schemas.microsoft.com/office/powerpoint/2010/main" val="1468957703"/>
+        <p14:creationId xmlns:p14="http://schemas.microsoft.com/office/powerpoint/2010/main" val="2750884481"/>
       </p:ext>
     </p:extLst>
   </p:cSld>
@@ -2195,10 +2249,7 @@
               </a:spcAft>
               <a:defRPr/>
             </a:pPr>
-            <a:r>
-              <a:rPr lang="en-GB" sz="2143" dirty="0"/>
-              <a:t>Please do not reduce the font size as this is the recommended size for mobile phone users.</a:t>
-            </a:r>
+            <a:endParaRPr lang="en-GB" sz="2143" dirty="0"/>
           </a:p>
         </p:txBody>
       </p:sp>
@@ -2239,7 +2290,7 @@
               <a:pPr algn="r">
                 <a:defRPr/>
               </a:pPr>
-              <a:t>9</a:t>
+              <a:t>8</a:t>
             </a:fld>
             <a:endParaRPr lang="en-GB" sz="1200">
               <a:latin typeface="+mn-lt"/>
@@ -2250,7 +2301,7 @@
     </p:spTree>
     <p:extLst>
       <p:ext uri="{BB962C8B-B14F-4D97-AF65-F5344CB8AC3E}">
-        <p14:creationId xmlns:p14="http://schemas.microsoft.com/office/powerpoint/2010/main" val="2319371710"/>
+        <p14:creationId xmlns:p14="http://schemas.microsoft.com/office/powerpoint/2010/main" val="1468957703"/>
       </p:ext>
     </p:extLst>
   </p:cSld>
@@ -2323,10 +2374,7 @@
               </a:spcAft>
               <a:defRPr/>
             </a:pPr>
-            <a:r>
-              <a:rPr lang="en-GB" sz="2143" dirty="0"/>
-              <a:t>Please do not reduce the font size as this is the recommended size for mobile phone users.</a:t>
-            </a:r>
+            <a:endParaRPr lang="en-GB" sz="2143" dirty="0"/>
           </a:p>
         </p:txBody>
       </p:sp>
@@ -2367,7 +2415,7 @@
               <a:pPr algn="r">
                 <a:defRPr/>
               </a:pPr>
-              <a:t>10</a:t>
+              <a:t>9</a:t>
             </a:fld>
             <a:endParaRPr lang="en-GB" sz="1200">
               <a:latin typeface="+mn-lt"/>
@@ -2378,7 +2426,7 @@
     </p:spTree>
     <p:extLst>
       <p:ext uri="{BB962C8B-B14F-4D97-AF65-F5344CB8AC3E}">
-        <p14:creationId xmlns:p14="http://schemas.microsoft.com/office/powerpoint/2010/main" val="1358267196"/>
+        <p14:creationId xmlns:p14="http://schemas.microsoft.com/office/powerpoint/2010/main" val="2319371710"/>
       </p:ext>
     </p:extLst>
   </p:cSld>
@@ -3341,7 +3389,7 @@
               <a:pPr>
                 <a:defRPr/>
               </a:pPr>
-              <a:t>23/06/2019</a:t>
+              <a:t>30/06/2019</a:t>
             </a:fld>
             <a:endParaRPr lang="en-GB" dirty="0"/>
           </a:p>
@@ -3806,7 +3854,7 @@
               <a:pPr>
                 <a:defRPr/>
               </a:pPr>
-              <a:t>23/06/2019</a:t>
+              <a:t>30/06/2019</a:t>
             </a:fld>
             <a:endParaRPr lang="en-GB" dirty="0"/>
           </a:p>
@@ -4595,7 +4643,7 @@
           <p:nvPr/>
         </p:nvPicPr>
         <p:blipFill>
-          <a:blip r:embed="rId2"/>
+          <a:blip r:embed="rId3"/>
           <a:srcRect/>
           <a:stretch>
             <a:fillRect/>
@@ -4743,7 +4791,7 @@
           <p:nvPr/>
         </p:nvPicPr>
         <p:blipFill>
-          <a:blip r:embed="rId3">
+          <a:blip r:embed="rId4">
             <a:extLst>
               <a:ext uri="{28A0092B-C50C-407E-A947-70E740481C1C}">
                 <a14:useLocalDpi xmlns:a14="http://schemas.microsoft.com/office/drawing/2010/main" val="0"/>
